--- a/FaceVault.pptx
+++ b/FaceVault.pptx
@@ -6,6 +6,15 @@
   </p:sldMasterIdLst>
   <p:sldIdLst>
     <p:sldId id="256" r:id="rId2"/>
+    <p:sldId id="261" r:id="rId3"/>
+    <p:sldId id="260" r:id="rId4"/>
+    <p:sldId id="265" r:id="rId5"/>
+    <p:sldId id="262" r:id="rId6"/>
+    <p:sldId id="257" r:id="rId7"/>
+    <p:sldId id="258" r:id="rId8"/>
+    <p:sldId id="259" r:id="rId9"/>
+    <p:sldId id="263" r:id="rId10"/>
+    <p:sldId id="264" r:id="rId11"/>
   </p:sldIdLst>
   <p:sldSz cx="12192000" cy="6858000"/>
   <p:notesSz cx="6858000" cy="9144000"/>
@@ -104,6 +113,11 @@
       </a:defRPr>
     </a:lvl9pPr>
   </p:defaultTextStyle>
+  <p:extLst>
+    <p:ext uri="{EFAFB233-063F-42B5-8137-9DF3F51BA10A}">
+      <p15:sldGuideLst xmlns:p15="http://schemas.microsoft.com/office/powerpoint/2012/main"/>
+    </p:ext>
+  </p:extLst>
 </p:presentation>
 </file>
 
@@ -455,7 +469,7 @@
           <a:p>
             <a:fld id="{3CADBD16-5BFB-4D9F-9646-C75D1B53BBB6}" type="datetimeFigureOut">
               <a:rPr lang="en-US" smtClean="0"/>
-              <a:t>4/30/2023</a:t>
+              <a:t>5/6/2023</a:t>
             </a:fld>
             <a:endParaRPr lang="en-US"/>
           </a:p>
@@ -696,7 +710,7 @@
           <a:p>
             <a:fld id="{3CADBD16-5BFB-4D9F-9646-C75D1B53BBB6}" type="datetimeFigureOut">
               <a:rPr lang="en-US" smtClean="0"/>
-              <a:t>4/30/2023</a:t>
+              <a:t>5/6/2023</a:t>
             </a:fld>
             <a:endParaRPr lang="en-US"/>
           </a:p>
@@ -904,7 +918,7 @@
           <a:p>
             <a:fld id="{3CADBD16-5BFB-4D9F-9646-C75D1B53BBB6}" type="datetimeFigureOut">
               <a:rPr lang="en-US" smtClean="0"/>
-              <a:t>4/30/2023</a:t>
+              <a:t>5/6/2023</a:t>
             </a:fld>
             <a:endParaRPr lang="en-US"/>
           </a:p>
@@ -1102,7 +1116,7 @@
           <a:p>
             <a:fld id="{3CADBD16-5BFB-4D9F-9646-C75D1B53BBB6}" type="datetimeFigureOut">
               <a:rPr lang="en-US" smtClean="0"/>
-              <a:t>4/30/2023</a:t>
+              <a:t>5/6/2023</a:t>
             </a:fld>
             <a:endParaRPr lang="en-US"/>
           </a:p>
@@ -1379,7 +1393,7 @@
           <a:p>
             <a:fld id="{3CADBD16-5BFB-4D9F-9646-C75D1B53BBB6}" type="datetimeFigureOut">
               <a:rPr lang="en-US" smtClean="0"/>
-              <a:t>4/30/2023</a:t>
+              <a:t>5/6/2023</a:t>
             </a:fld>
             <a:endParaRPr lang="en-US"/>
           </a:p>
@@ -1644,7 +1658,7 @@
           <a:p>
             <a:fld id="{3CADBD16-5BFB-4D9F-9646-C75D1B53BBB6}" type="datetimeFigureOut">
               <a:rPr lang="en-US" smtClean="0"/>
-              <a:t>4/30/2023</a:t>
+              <a:t>5/6/2023</a:t>
             </a:fld>
             <a:endParaRPr lang="en-US"/>
           </a:p>
@@ -2060,7 +2074,7 @@
           <a:p>
             <a:fld id="{3CADBD16-5BFB-4D9F-9646-C75D1B53BBB6}" type="datetimeFigureOut">
               <a:rPr lang="en-US" smtClean="0"/>
-              <a:t>4/30/2023</a:t>
+              <a:t>5/6/2023</a:t>
             </a:fld>
             <a:endParaRPr lang="en-US"/>
           </a:p>
@@ -2210,7 +2224,7 @@
           <a:p>
             <a:fld id="{3CADBD16-5BFB-4D9F-9646-C75D1B53BBB6}" type="datetimeFigureOut">
               <a:rPr lang="en-US" smtClean="0"/>
-              <a:t>4/30/2023</a:t>
+              <a:t>5/6/2023</a:t>
             </a:fld>
             <a:endParaRPr lang="en-US"/>
           </a:p>
@@ -2323,7 +2337,7 @@
           <a:p>
             <a:fld id="{3CADBD16-5BFB-4D9F-9646-C75D1B53BBB6}" type="datetimeFigureOut">
               <a:rPr lang="en-US" smtClean="0"/>
-              <a:t>4/30/2023</a:t>
+              <a:t>5/6/2023</a:t>
             </a:fld>
             <a:endParaRPr lang="en-US"/>
           </a:p>
@@ -2639,7 +2653,7 @@
           <a:p>
             <a:fld id="{3CADBD16-5BFB-4D9F-9646-C75D1B53BBB6}" type="datetimeFigureOut">
               <a:rPr lang="en-US" smtClean="0"/>
-              <a:t>4/30/2023</a:t>
+              <a:t>5/6/2023</a:t>
             </a:fld>
             <a:endParaRPr lang="en-US"/>
           </a:p>
@@ -2890,7 +2904,7 @@
           <a:p>
             <a:fld id="{3CADBD16-5BFB-4D9F-9646-C75D1B53BBB6}" type="datetimeFigureOut">
               <a:rPr lang="en-US" smtClean="0"/>
-              <a:t>4/30/2023</a:t>
+              <a:t>5/6/2023</a:t>
             </a:fld>
             <a:endParaRPr lang="en-US"/>
           </a:p>
@@ -3399,7 +3413,7 @@
             <a:fld id="{3CADBD16-5BFB-4D9F-9646-C75D1B53BBB6}" type="datetimeFigureOut">
               <a:rPr lang="en-US" smtClean="0"/>
               <a:pPr/>
-              <a:t>4/30/2023</a:t>
+              <a:t>5/6/2023</a:t>
             </a:fld>
             <a:endParaRPr lang="en-US" dirty="0"/>
           </a:p>
@@ -4818,6 +4832,930 @@
 </p:sld>
 </file>
 
+<file path=ppt/slides/slide10.xml><?xml version="1.0" encoding="utf-8"?>
+<p:sld xmlns:a="http://schemas.openxmlformats.org/drawingml/2006/main" xmlns:r="http://schemas.openxmlformats.org/officeDocument/2006/relationships" xmlns:p="http://schemas.openxmlformats.org/presentationml/2006/main">
+  <p:cSld>
+    <p:spTree>
+      <p:nvGrpSpPr>
+        <p:cNvPr id="1" name=""/>
+        <p:cNvGrpSpPr/>
+        <p:nvPr/>
+      </p:nvGrpSpPr>
+      <p:grpSpPr>
+        <a:xfrm>
+          <a:off x="0" y="0"/>
+          <a:ext cx="0" cy="0"/>
+          <a:chOff x="0" y="0"/>
+          <a:chExt cx="0" cy="0"/>
+        </a:xfrm>
+      </p:grpSpPr>
+      <p:sp>
+        <p:nvSpPr>
+          <p:cNvPr id="2" name="Title 1">
+            <a:extLst>
+              <a:ext uri="{FF2B5EF4-FFF2-40B4-BE49-F238E27FC236}">
+                <a16:creationId xmlns:a16="http://schemas.microsoft.com/office/drawing/2014/main" id="{CE309D69-9933-D5B6-EB98-9ED521D163C1}"/>
+              </a:ext>
+            </a:extLst>
+          </p:cNvPr>
+          <p:cNvSpPr>
+            <a:spLocks noGrp="1"/>
+          </p:cNvSpPr>
+          <p:nvPr>
+            <p:ph type="title"/>
+          </p:nvPr>
+        </p:nvSpPr>
+        <p:spPr/>
+        <p:txBody>
+          <a:bodyPr/>
+          <a:lstStyle/>
+          <a:p>
+            <a:r>
+              <a:rPr lang="en-US" dirty="0"/>
+              <a:t>What would I do next?</a:t>
+            </a:r>
+          </a:p>
+        </p:txBody>
+      </p:sp>
+      <p:sp>
+        <p:nvSpPr>
+          <p:cNvPr id="3" name="Content Placeholder 2">
+            <a:extLst>
+              <a:ext uri="{FF2B5EF4-FFF2-40B4-BE49-F238E27FC236}">
+                <a16:creationId xmlns:a16="http://schemas.microsoft.com/office/drawing/2014/main" id="{BBA6B346-1016-1C9F-0ED6-84017FA99CAA}"/>
+              </a:ext>
+            </a:extLst>
+          </p:cNvPr>
+          <p:cNvSpPr>
+            <a:spLocks noGrp="1"/>
+          </p:cNvSpPr>
+          <p:nvPr>
+            <p:ph idx="1"/>
+          </p:nvPr>
+        </p:nvSpPr>
+        <p:spPr/>
+        <p:txBody>
+          <a:bodyPr/>
+          <a:lstStyle/>
+          <a:p>
+            <a:r>
+              <a:rPr lang="en-US" dirty="0"/>
+              <a:t>Seek Help</a:t>
+            </a:r>
+          </a:p>
+          <a:p>
+            <a:r>
+              <a:rPr lang="en-US" dirty="0"/>
+              <a:t>Find a better combination of packages that don’t cause issues with each other.</a:t>
+            </a:r>
+          </a:p>
+        </p:txBody>
+      </p:sp>
+    </p:spTree>
+    <p:extLst>
+      <p:ext uri="{BB962C8B-B14F-4D97-AF65-F5344CB8AC3E}">
+        <p14:creationId xmlns:p14="http://schemas.microsoft.com/office/powerpoint/2010/main" val="801729253"/>
+      </p:ext>
+    </p:extLst>
+  </p:cSld>
+  <p:clrMapOvr>
+    <a:masterClrMapping/>
+  </p:clrMapOvr>
+</p:sld>
+</file>
+
+<file path=ppt/slides/slide2.xml><?xml version="1.0" encoding="utf-8"?>
+<p:sld xmlns:a="http://schemas.openxmlformats.org/drawingml/2006/main" xmlns:r="http://schemas.openxmlformats.org/officeDocument/2006/relationships" xmlns:p="http://schemas.openxmlformats.org/presentationml/2006/main">
+  <p:cSld>
+    <p:spTree>
+      <p:nvGrpSpPr>
+        <p:cNvPr id="1" name=""/>
+        <p:cNvGrpSpPr/>
+        <p:nvPr/>
+      </p:nvGrpSpPr>
+      <p:grpSpPr>
+        <a:xfrm>
+          <a:off x="0" y="0"/>
+          <a:ext cx="0" cy="0"/>
+          <a:chOff x="0" y="0"/>
+          <a:chExt cx="0" cy="0"/>
+        </a:xfrm>
+      </p:grpSpPr>
+      <p:sp>
+        <p:nvSpPr>
+          <p:cNvPr id="2" name="Title 1">
+            <a:extLst>
+              <a:ext uri="{FF2B5EF4-FFF2-40B4-BE49-F238E27FC236}">
+                <a16:creationId xmlns:a16="http://schemas.microsoft.com/office/drawing/2014/main" id="{81A3AFD9-9B28-0A55-1F67-BB3FE060EF6F}"/>
+              </a:ext>
+            </a:extLst>
+          </p:cNvPr>
+          <p:cNvSpPr>
+            <a:spLocks noGrp="1"/>
+          </p:cNvSpPr>
+          <p:nvPr>
+            <p:ph type="title"/>
+          </p:nvPr>
+        </p:nvSpPr>
+        <p:spPr/>
+        <p:txBody>
+          <a:bodyPr/>
+          <a:lstStyle/>
+          <a:p>
+            <a:pPr algn="ctr"/>
+            <a:r>
+              <a:rPr lang="en-US" dirty="0"/>
+              <a:t>What was the Idea?</a:t>
+            </a:r>
+          </a:p>
+        </p:txBody>
+      </p:sp>
+      <p:sp>
+        <p:nvSpPr>
+          <p:cNvPr id="3" name="Content Placeholder 2">
+            <a:extLst>
+              <a:ext uri="{FF2B5EF4-FFF2-40B4-BE49-F238E27FC236}">
+                <a16:creationId xmlns:a16="http://schemas.microsoft.com/office/drawing/2014/main" id="{0B3CD3A2-CCB9-5142-4D1C-9D12CBEA4AFB}"/>
+              </a:ext>
+            </a:extLst>
+          </p:cNvPr>
+          <p:cNvSpPr>
+            <a:spLocks noGrp="1"/>
+          </p:cNvSpPr>
+          <p:nvPr>
+            <p:ph idx="1"/>
+          </p:nvPr>
+        </p:nvSpPr>
+        <p:spPr/>
+        <p:txBody>
+          <a:bodyPr/>
+          <a:lstStyle/>
+          <a:p>
+            <a:r>
+              <a:rPr lang="en-US" dirty="0"/>
+              <a:t>Detect </a:t>
+            </a:r>
+          </a:p>
+          <a:p>
+            <a:r>
+              <a:rPr lang="en-US" dirty="0"/>
+              <a:t>Save </a:t>
+            </a:r>
+          </a:p>
+          <a:p>
+            <a:r>
+              <a:rPr lang="en-US" dirty="0"/>
+              <a:t>Store Data</a:t>
+            </a:r>
+          </a:p>
+          <a:p>
+            <a:r>
+              <a:rPr lang="en-US" dirty="0"/>
+              <a:t>Recall</a:t>
+            </a:r>
+          </a:p>
+        </p:txBody>
+      </p:sp>
+    </p:spTree>
+    <p:extLst>
+      <p:ext uri="{BB962C8B-B14F-4D97-AF65-F5344CB8AC3E}">
+        <p14:creationId xmlns:p14="http://schemas.microsoft.com/office/powerpoint/2010/main" val="2240601658"/>
+      </p:ext>
+    </p:extLst>
+  </p:cSld>
+  <p:clrMapOvr>
+    <a:masterClrMapping/>
+  </p:clrMapOvr>
+</p:sld>
+</file>
+
+<file path=ppt/slides/slide3.xml><?xml version="1.0" encoding="utf-8"?>
+<p:sld xmlns:a="http://schemas.openxmlformats.org/drawingml/2006/main" xmlns:r="http://schemas.openxmlformats.org/officeDocument/2006/relationships" xmlns:p="http://schemas.openxmlformats.org/presentationml/2006/main">
+  <p:cSld>
+    <p:spTree>
+      <p:nvGrpSpPr>
+        <p:cNvPr id="1" name=""/>
+        <p:cNvGrpSpPr/>
+        <p:nvPr/>
+      </p:nvGrpSpPr>
+      <p:grpSpPr>
+        <a:xfrm>
+          <a:off x="0" y="0"/>
+          <a:ext cx="0" cy="0"/>
+          <a:chOff x="0" y="0"/>
+          <a:chExt cx="0" cy="0"/>
+        </a:xfrm>
+      </p:grpSpPr>
+      <p:sp>
+        <p:nvSpPr>
+          <p:cNvPr id="2" name="Title 1">
+            <a:extLst>
+              <a:ext uri="{FF2B5EF4-FFF2-40B4-BE49-F238E27FC236}">
+                <a16:creationId xmlns:a16="http://schemas.microsoft.com/office/drawing/2014/main" id="{AC59A2E6-AFA3-37B8-93AE-CD9DFDE1DF0F}"/>
+              </a:ext>
+            </a:extLst>
+          </p:cNvPr>
+          <p:cNvSpPr>
+            <a:spLocks noGrp="1"/>
+          </p:cNvSpPr>
+          <p:nvPr>
+            <p:ph type="title"/>
+          </p:nvPr>
+        </p:nvSpPr>
+        <p:spPr/>
+        <p:txBody>
+          <a:bodyPr/>
+          <a:lstStyle/>
+          <a:p>
+            <a:r>
+              <a:rPr lang="en-US" dirty="0"/>
+              <a:t>Sources</a:t>
+            </a:r>
+          </a:p>
+        </p:txBody>
+      </p:sp>
+      <p:sp>
+        <p:nvSpPr>
+          <p:cNvPr id="3" name="Content Placeholder 2">
+            <a:extLst>
+              <a:ext uri="{FF2B5EF4-FFF2-40B4-BE49-F238E27FC236}">
+                <a16:creationId xmlns:a16="http://schemas.microsoft.com/office/drawing/2014/main" id="{F9A42AAB-7DC6-B3DE-8813-1A7348D89688}"/>
+              </a:ext>
+            </a:extLst>
+          </p:cNvPr>
+          <p:cNvSpPr>
+            <a:spLocks noGrp="1"/>
+          </p:cNvSpPr>
+          <p:nvPr>
+            <p:ph idx="1"/>
+          </p:nvPr>
+        </p:nvSpPr>
+        <p:spPr/>
+        <p:txBody>
+          <a:bodyPr/>
+          <a:lstStyle/>
+          <a:p>
+            <a:r>
+              <a:rPr lang="en-US" dirty="0" err="1"/>
+              <a:t>Github</a:t>
+            </a:r>
+            <a:endParaRPr lang="en-US" dirty="0"/>
+          </a:p>
+          <a:p>
+            <a:pPr lvl="1"/>
+            <a:r>
+              <a:rPr lang="en-US" dirty="0">
+                <a:hlinkClick r:id="rId2"/>
+              </a:rPr>
+              <a:t>https://github.com/Mjrovai/OpenCV-Face-Recognition</a:t>
+            </a:r>
+            <a:endParaRPr lang="en-US" dirty="0"/>
+          </a:p>
+          <a:p>
+            <a:pPr lvl="1"/>
+            <a:r>
+              <a:rPr lang="en-US" dirty="0">
+                <a:hlinkClick r:id="rId3"/>
+              </a:rPr>
+              <a:t>https://github.com/davidsandberg/facenet</a:t>
+            </a:r>
+            <a:endParaRPr lang="en-US" dirty="0"/>
+          </a:p>
+          <a:p>
+            <a:r>
+              <a:rPr lang="en-US" dirty="0"/>
+              <a:t>Websites</a:t>
+            </a:r>
+          </a:p>
+          <a:p>
+            <a:pPr lvl="1"/>
+            <a:r>
+              <a:rPr lang="en-US" dirty="0">
+                <a:hlinkClick r:id="rId4"/>
+              </a:rPr>
+              <a:t>https://realpython.com/face-detection-in-python-using-a-webcam/</a:t>
+            </a:r>
+            <a:endParaRPr lang="en-US" dirty="0"/>
+          </a:p>
+          <a:p>
+            <a:pPr lvl="1"/>
+            <a:r>
+              <a:rPr lang="en-US" dirty="0">
+                <a:hlinkClick r:id="rId5"/>
+              </a:rPr>
+              <a:t>https://www.geeksforgeeks.org/detect-the-rgb-color-from-a-webcam-using-python-opencv/#</a:t>
+            </a:r>
+            <a:endParaRPr lang="en-US" dirty="0"/>
+          </a:p>
+          <a:p>
+            <a:pPr lvl="1"/>
+            <a:r>
+              <a:rPr lang="en-US" dirty="0">
+                <a:hlinkClick r:id="rId6"/>
+              </a:rPr>
+              <a:t>https://www.digitalocean.com/community/tutorials/how-to-detect-and-extract-faces-from-an-image-with-opencv-and-python</a:t>
+            </a:r>
+            <a:endParaRPr lang="en-US" dirty="0"/>
+          </a:p>
+          <a:p>
+            <a:pPr lvl="1"/>
+            <a:endParaRPr lang="en-US" dirty="0"/>
+          </a:p>
+        </p:txBody>
+      </p:sp>
+    </p:spTree>
+    <p:extLst>
+      <p:ext uri="{BB962C8B-B14F-4D97-AF65-F5344CB8AC3E}">
+        <p14:creationId xmlns:p14="http://schemas.microsoft.com/office/powerpoint/2010/main" val="3979881297"/>
+      </p:ext>
+    </p:extLst>
+  </p:cSld>
+  <p:clrMapOvr>
+    <a:masterClrMapping/>
+  </p:clrMapOvr>
+</p:sld>
+</file>
+
+<file path=ppt/slides/slide4.xml><?xml version="1.0" encoding="utf-8"?>
+<p:sld xmlns:a="http://schemas.openxmlformats.org/drawingml/2006/main" xmlns:r="http://schemas.openxmlformats.org/officeDocument/2006/relationships" xmlns:p="http://schemas.openxmlformats.org/presentationml/2006/main">
+  <p:cSld>
+    <p:spTree>
+      <p:nvGrpSpPr>
+        <p:cNvPr id="1" name=""/>
+        <p:cNvGrpSpPr/>
+        <p:nvPr/>
+      </p:nvGrpSpPr>
+      <p:grpSpPr>
+        <a:xfrm>
+          <a:off x="0" y="0"/>
+          <a:ext cx="0" cy="0"/>
+          <a:chOff x="0" y="0"/>
+          <a:chExt cx="0" cy="0"/>
+        </a:xfrm>
+      </p:grpSpPr>
+      <p:sp>
+        <p:nvSpPr>
+          <p:cNvPr id="2" name="Title 1">
+            <a:extLst>
+              <a:ext uri="{FF2B5EF4-FFF2-40B4-BE49-F238E27FC236}">
+                <a16:creationId xmlns:a16="http://schemas.microsoft.com/office/drawing/2014/main" id="{7D17F84B-9E58-64CB-D9F0-6C679D2C1BBC}"/>
+              </a:ext>
+            </a:extLst>
+          </p:cNvPr>
+          <p:cNvSpPr>
+            <a:spLocks noGrp="1"/>
+          </p:cNvSpPr>
+          <p:nvPr>
+            <p:ph type="title"/>
+          </p:nvPr>
+        </p:nvSpPr>
+        <p:spPr/>
+        <p:txBody>
+          <a:bodyPr/>
+          <a:lstStyle/>
+          <a:p>
+            <a:r>
+              <a:rPr lang="en-US" dirty="0"/>
+              <a:t>What surprised you?</a:t>
+            </a:r>
+          </a:p>
+        </p:txBody>
+      </p:sp>
+      <p:sp>
+        <p:nvSpPr>
+          <p:cNvPr id="3" name="Content Placeholder 2">
+            <a:extLst>
+              <a:ext uri="{FF2B5EF4-FFF2-40B4-BE49-F238E27FC236}">
+                <a16:creationId xmlns:a16="http://schemas.microsoft.com/office/drawing/2014/main" id="{4FA727AB-41C9-3E40-AE89-C5F497F46AD6}"/>
+              </a:ext>
+            </a:extLst>
+          </p:cNvPr>
+          <p:cNvSpPr>
+            <a:spLocks noGrp="1"/>
+          </p:cNvSpPr>
+          <p:nvPr>
+            <p:ph idx="1"/>
+          </p:nvPr>
+        </p:nvSpPr>
+        <p:spPr/>
+        <p:txBody>
+          <a:bodyPr/>
+          <a:lstStyle/>
+          <a:p>
+            <a:r>
+              <a:rPr lang="en-US" dirty="0"/>
+              <a:t>Difficulty.</a:t>
+            </a:r>
+          </a:p>
+          <a:p>
+            <a:r>
+              <a:rPr lang="en-US" dirty="0"/>
+              <a:t>How many algorithms there are.</a:t>
+            </a:r>
+          </a:p>
+          <a:p>
+            <a:endParaRPr lang="en-US" dirty="0"/>
+          </a:p>
+        </p:txBody>
+      </p:sp>
+    </p:spTree>
+    <p:extLst>
+      <p:ext uri="{BB962C8B-B14F-4D97-AF65-F5344CB8AC3E}">
+        <p14:creationId xmlns:p14="http://schemas.microsoft.com/office/powerpoint/2010/main" val="2699381754"/>
+      </p:ext>
+    </p:extLst>
+  </p:cSld>
+  <p:clrMapOvr>
+    <a:masterClrMapping/>
+  </p:clrMapOvr>
+</p:sld>
+</file>
+
+<file path=ppt/slides/slide5.xml><?xml version="1.0" encoding="utf-8"?>
+<p:sld xmlns:a="http://schemas.openxmlformats.org/drawingml/2006/main" xmlns:r="http://schemas.openxmlformats.org/officeDocument/2006/relationships" xmlns:p="http://schemas.openxmlformats.org/presentationml/2006/main">
+  <p:cSld>
+    <p:spTree>
+      <p:nvGrpSpPr>
+        <p:cNvPr id="1" name=""/>
+        <p:cNvGrpSpPr/>
+        <p:nvPr/>
+      </p:nvGrpSpPr>
+      <p:grpSpPr>
+        <a:xfrm>
+          <a:off x="0" y="0"/>
+          <a:ext cx="0" cy="0"/>
+          <a:chOff x="0" y="0"/>
+          <a:chExt cx="0" cy="0"/>
+        </a:xfrm>
+      </p:grpSpPr>
+      <p:sp>
+        <p:nvSpPr>
+          <p:cNvPr id="2" name="Title 1">
+            <a:extLst>
+              <a:ext uri="{FF2B5EF4-FFF2-40B4-BE49-F238E27FC236}">
+                <a16:creationId xmlns:a16="http://schemas.microsoft.com/office/drawing/2014/main" id="{D228A4A8-7932-9882-A799-4B0A7D77B73D}"/>
+              </a:ext>
+            </a:extLst>
+          </p:cNvPr>
+          <p:cNvSpPr>
+            <a:spLocks noGrp="1"/>
+          </p:cNvSpPr>
+          <p:nvPr>
+            <p:ph type="title"/>
+          </p:nvPr>
+        </p:nvSpPr>
+        <p:spPr/>
+        <p:txBody>
+          <a:bodyPr/>
+          <a:lstStyle/>
+          <a:p>
+            <a:pPr algn="ctr"/>
+            <a:r>
+              <a:rPr lang="en-US" dirty="0"/>
+              <a:t>Road Blocks</a:t>
+            </a:r>
+          </a:p>
+        </p:txBody>
+      </p:sp>
+      <p:sp>
+        <p:nvSpPr>
+          <p:cNvPr id="3" name="Content Placeholder 2">
+            <a:extLst>
+              <a:ext uri="{FF2B5EF4-FFF2-40B4-BE49-F238E27FC236}">
+                <a16:creationId xmlns:a16="http://schemas.microsoft.com/office/drawing/2014/main" id="{B35E734B-ED4E-6989-F3A2-3860366905D2}"/>
+              </a:ext>
+            </a:extLst>
+          </p:cNvPr>
+          <p:cNvSpPr>
+            <a:spLocks noGrp="1"/>
+          </p:cNvSpPr>
+          <p:nvPr>
+            <p:ph idx="1"/>
+          </p:nvPr>
+        </p:nvSpPr>
+        <p:spPr/>
+        <p:txBody>
+          <a:bodyPr/>
+          <a:lstStyle/>
+          <a:p>
+            <a:r>
+              <a:rPr lang="en-US" dirty="0"/>
+              <a:t>Broken Code</a:t>
+            </a:r>
+          </a:p>
+          <a:p>
+            <a:r>
+              <a:rPr lang="en-US" dirty="0"/>
+              <a:t>Packages failing to function</a:t>
+            </a:r>
+          </a:p>
+          <a:p>
+            <a:r>
+              <a:rPr lang="en-US" dirty="0"/>
+              <a:t>Memory Leaks</a:t>
+            </a:r>
+          </a:p>
+        </p:txBody>
+      </p:sp>
+    </p:spTree>
+    <p:extLst>
+      <p:ext uri="{BB962C8B-B14F-4D97-AF65-F5344CB8AC3E}">
+        <p14:creationId xmlns:p14="http://schemas.microsoft.com/office/powerpoint/2010/main" val="3819136868"/>
+      </p:ext>
+    </p:extLst>
+  </p:cSld>
+  <p:clrMapOvr>
+    <a:masterClrMapping/>
+  </p:clrMapOvr>
+</p:sld>
+</file>
+
+<file path=ppt/slides/slide6.xml><?xml version="1.0" encoding="utf-8"?>
+<p:sld xmlns:a="http://schemas.openxmlformats.org/drawingml/2006/main" xmlns:r="http://schemas.openxmlformats.org/officeDocument/2006/relationships" xmlns:p="http://schemas.openxmlformats.org/presentationml/2006/main">
+  <p:cSld>
+    <p:spTree>
+      <p:nvGrpSpPr>
+        <p:cNvPr id="1" name=""/>
+        <p:cNvGrpSpPr/>
+        <p:nvPr/>
+      </p:nvGrpSpPr>
+      <p:grpSpPr>
+        <a:xfrm>
+          <a:off x="0" y="0"/>
+          <a:ext cx="0" cy="0"/>
+          <a:chOff x="0" y="0"/>
+          <a:chExt cx="0" cy="0"/>
+        </a:xfrm>
+      </p:grpSpPr>
+      <p:sp>
+        <p:nvSpPr>
+          <p:cNvPr id="2" name="Title 1">
+            <a:extLst>
+              <a:ext uri="{FF2B5EF4-FFF2-40B4-BE49-F238E27FC236}">
+                <a16:creationId xmlns:a16="http://schemas.microsoft.com/office/drawing/2014/main" id="{71EA0195-85E0-3179-5F9A-ECFBF6007119}"/>
+              </a:ext>
+            </a:extLst>
+          </p:cNvPr>
+          <p:cNvSpPr>
+            <a:spLocks noGrp="1"/>
+          </p:cNvSpPr>
+          <p:nvPr>
+            <p:ph type="title"/>
+          </p:nvPr>
+        </p:nvSpPr>
+        <p:spPr/>
+        <p:txBody>
+          <a:bodyPr/>
+          <a:lstStyle/>
+          <a:p>
+            <a:pPr algn="ctr"/>
+            <a:r>
+              <a:rPr lang="en-US" dirty="0" err="1"/>
+              <a:t>Tkinter</a:t>
+            </a:r>
+            <a:r>
+              <a:rPr lang="en-US" dirty="0"/>
+              <a:t> Face Registry </a:t>
+            </a:r>
+          </a:p>
+        </p:txBody>
+      </p:sp>
+      <p:pic>
+        <p:nvPicPr>
+          <p:cNvPr id="5" name="Picture 4" descr="Graphical user interface, application&#10;&#10;Description automatically generated">
+            <a:extLst>
+              <a:ext uri="{FF2B5EF4-FFF2-40B4-BE49-F238E27FC236}">
+                <a16:creationId xmlns:a16="http://schemas.microsoft.com/office/drawing/2014/main" id="{5290F163-0ABC-9E5F-35F9-3EA503E27494}"/>
+              </a:ext>
+            </a:extLst>
+          </p:cNvPr>
+          <p:cNvPicPr>
+            <a:picLocks noChangeAspect="1"/>
+          </p:cNvPicPr>
+          <p:nvPr/>
+        </p:nvPicPr>
+        <p:blipFill>
+          <a:blip r:embed="rId2">
+            <a:extLst>
+              <a:ext uri="{28A0092B-C50C-407E-A947-70E740481C1C}">
+                <a14:useLocalDpi xmlns:a14="http://schemas.microsoft.com/office/drawing/2010/main" val="0"/>
+              </a:ext>
+            </a:extLst>
+          </a:blip>
+          <a:stretch>
+            <a:fillRect/>
+          </a:stretch>
+        </p:blipFill>
+        <p:spPr>
+          <a:xfrm>
+            <a:off x="2059413" y="1962651"/>
+            <a:ext cx="8073171" cy="4134709"/>
+          </a:xfrm>
+          <a:prstGeom prst="rect">
+            <a:avLst/>
+          </a:prstGeom>
+        </p:spPr>
+      </p:pic>
+    </p:spTree>
+    <p:extLst>
+      <p:ext uri="{BB962C8B-B14F-4D97-AF65-F5344CB8AC3E}">
+        <p14:creationId xmlns:p14="http://schemas.microsoft.com/office/powerpoint/2010/main" val="4074691683"/>
+      </p:ext>
+    </p:extLst>
+  </p:cSld>
+  <p:clrMapOvr>
+    <a:masterClrMapping/>
+  </p:clrMapOvr>
+</p:sld>
+</file>
+
+<file path=ppt/slides/slide7.xml><?xml version="1.0" encoding="utf-8"?>
+<p:sld xmlns:a="http://schemas.openxmlformats.org/drawingml/2006/main" xmlns:r="http://schemas.openxmlformats.org/officeDocument/2006/relationships" xmlns:p="http://schemas.openxmlformats.org/presentationml/2006/main">
+  <p:cSld>
+    <p:spTree>
+      <p:nvGrpSpPr>
+        <p:cNvPr id="1" name=""/>
+        <p:cNvGrpSpPr/>
+        <p:nvPr/>
+      </p:nvGrpSpPr>
+      <p:grpSpPr>
+        <a:xfrm>
+          <a:off x="0" y="0"/>
+          <a:ext cx="0" cy="0"/>
+          <a:chOff x="0" y="0"/>
+          <a:chExt cx="0" cy="0"/>
+        </a:xfrm>
+      </p:grpSpPr>
+      <p:sp>
+        <p:nvSpPr>
+          <p:cNvPr id="2" name="Title 1">
+            <a:extLst>
+              <a:ext uri="{FF2B5EF4-FFF2-40B4-BE49-F238E27FC236}">
+                <a16:creationId xmlns:a16="http://schemas.microsoft.com/office/drawing/2014/main" id="{AC506C4A-5215-5910-9710-F51DB5887021}"/>
+              </a:ext>
+            </a:extLst>
+          </p:cNvPr>
+          <p:cNvSpPr>
+            <a:spLocks noGrp="1"/>
+          </p:cNvSpPr>
+          <p:nvPr>
+            <p:ph type="title"/>
+          </p:nvPr>
+        </p:nvSpPr>
+        <p:spPr/>
+        <p:txBody>
+          <a:bodyPr/>
+          <a:lstStyle/>
+          <a:p>
+            <a:r>
+              <a:rPr lang="en-US" dirty="0"/>
+              <a:t>Data</a:t>
+            </a:r>
+          </a:p>
+        </p:txBody>
+      </p:sp>
+      <p:sp>
+        <p:nvSpPr>
+          <p:cNvPr id="3" name="Content Placeholder 2">
+            <a:extLst>
+              <a:ext uri="{FF2B5EF4-FFF2-40B4-BE49-F238E27FC236}">
+                <a16:creationId xmlns:a16="http://schemas.microsoft.com/office/drawing/2014/main" id="{EF29CBD3-9009-3C0F-6CE8-E7D1D9361C2F}"/>
+              </a:ext>
+            </a:extLst>
+          </p:cNvPr>
+          <p:cNvSpPr>
+            <a:spLocks noGrp="1"/>
+          </p:cNvSpPr>
+          <p:nvPr>
+            <p:ph idx="1"/>
+          </p:nvPr>
+        </p:nvSpPr>
+        <p:spPr/>
+        <p:txBody>
+          <a:bodyPr/>
+          <a:lstStyle/>
+          <a:p>
+            <a:r>
+              <a:rPr lang="en-US" dirty="0"/>
+              <a:t>This is where it would store the picture data for some deep learning.</a:t>
+            </a:r>
+          </a:p>
+          <a:p>
+            <a:r>
+              <a:rPr lang="en-US" dirty="0"/>
+              <a:t>It would get used to organize multiple different pictures.</a:t>
+            </a:r>
+          </a:p>
+          <a:p>
+            <a:r>
+              <a:rPr lang="en-US" dirty="0"/>
+              <a:t>Picture size, Location in frame, </a:t>
+            </a:r>
+            <a:r>
+              <a:rPr lang="en-US" dirty="0" err="1"/>
+              <a:t>ect</a:t>
+            </a:r>
+            <a:r>
+              <a:rPr lang="en-US" dirty="0"/>
+              <a:t>.</a:t>
+            </a:r>
+          </a:p>
+        </p:txBody>
+      </p:sp>
+    </p:spTree>
+    <p:extLst>
+      <p:ext uri="{BB962C8B-B14F-4D97-AF65-F5344CB8AC3E}">
+        <p14:creationId xmlns:p14="http://schemas.microsoft.com/office/powerpoint/2010/main" val="367413421"/>
+      </p:ext>
+    </p:extLst>
+  </p:cSld>
+  <p:clrMapOvr>
+    <a:masterClrMapping/>
+  </p:clrMapOvr>
+</p:sld>
+</file>
+
+<file path=ppt/slides/slide8.xml><?xml version="1.0" encoding="utf-8"?>
+<p:sld xmlns:a="http://schemas.openxmlformats.org/drawingml/2006/main" xmlns:r="http://schemas.openxmlformats.org/officeDocument/2006/relationships" xmlns:p="http://schemas.openxmlformats.org/presentationml/2006/main">
+  <p:cSld>
+    <p:spTree>
+      <p:nvGrpSpPr>
+        <p:cNvPr id="1" name=""/>
+        <p:cNvGrpSpPr/>
+        <p:nvPr/>
+      </p:nvGrpSpPr>
+      <p:grpSpPr>
+        <a:xfrm>
+          <a:off x="0" y="0"/>
+          <a:ext cx="0" cy="0"/>
+          <a:chOff x="0" y="0"/>
+          <a:chExt cx="0" cy="0"/>
+        </a:xfrm>
+      </p:grpSpPr>
+      <p:sp>
+        <p:nvSpPr>
+          <p:cNvPr id="2" name="Title 1">
+            <a:extLst>
+              <a:ext uri="{FF2B5EF4-FFF2-40B4-BE49-F238E27FC236}">
+                <a16:creationId xmlns:a16="http://schemas.microsoft.com/office/drawing/2014/main" id="{CCB0618F-908A-C15A-734F-C1285EB7D41D}"/>
+              </a:ext>
+            </a:extLst>
+          </p:cNvPr>
+          <p:cNvSpPr>
+            <a:spLocks noGrp="1"/>
+          </p:cNvSpPr>
+          <p:nvPr>
+            <p:ph type="title"/>
+          </p:nvPr>
+        </p:nvSpPr>
+        <p:spPr/>
+        <p:txBody>
+          <a:bodyPr/>
+          <a:lstStyle/>
+          <a:p>
+            <a:r>
+              <a:rPr lang="en-US" dirty="0"/>
+              <a:t>Face Scrape</a:t>
+            </a:r>
+          </a:p>
+        </p:txBody>
+      </p:sp>
+      <p:sp>
+        <p:nvSpPr>
+          <p:cNvPr id="3" name="Content Placeholder 2">
+            <a:extLst>
+              <a:ext uri="{FF2B5EF4-FFF2-40B4-BE49-F238E27FC236}">
+                <a16:creationId xmlns:a16="http://schemas.microsoft.com/office/drawing/2014/main" id="{DF21E817-AB44-A11B-F9BF-E985FE2D1A25}"/>
+              </a:ext>
+            </a:extLst>
+          </p:cNvPr>
+          <p:cNvSpPr>
+            <a:spLocks noGrp="1"/>
+          </p:cNvSpPr>
+          <p:nvPr>
+            <p:ph idx="1"/>
+          </p:nvPr>
+        </p:nvSpPr>
+        <p:spPr/>
+        <p:txBody>
+          <a:bodyPr/>
+          <a:lstStyle/>
+          <a:p>
+            <a:r>
+              <a:rPr lang="en-US" dirty="0"/>
+              <a:t>At first was trying to get this to automatically save my pictures a .jpg and then allow me to name them.</a:t>
+            </a:r>
+          </a:p>
+          <a:p>
+            <a:r>
+              <a:rPr lang="en-US" dirty="0"/>
+              <a:t>The code dos not really function this way as well as it being a very resource demanding and hard to program.</a:t>
+            </a:r>
+          </a:p>
+          <a:p>
+            <a:endParaRPr lang="en-US" dirty="0"/>
+          </a:p>
+        </p:txBody>
+      </p:sp>
+    </p:spTree>
+    <p:extLst>
+      <p:ext uri="{BB962C8B-B14F-4D97-AF65-F5344CB8AC3E}">
+        <p14:creationId xmlns:p14="http://schemas.microsoft.com/office/powerpoint/2010/main" val="2264165072"/>
+      </p:ext>
+    </p:extLst>
+  </p:cSld>
+  <p:clrMapOvr>
+    <a:masterClrMapping/>
+  </p:clrMapOvr>
+</p:sld>
+</file>
+
+<file path=ppt/slides/slide9.xml><?xml version="1.0" encoding="utf-8"?>
+<p:sld xmlns:a="http://schemas.openxmlformats.org/drawingml/2006/main" xmlns:r="http://schemas.openxmlformats.org/officeDocument/2006/relationships" xmlns:p="http://schemas.openxmlformats.org/presentationml/2006/main">
+  <p:cSld>
+    <p:spTree>
+      <p:nvGrpSpPr>
+        <p:cNvPr id="1" name=""/>
+        <p:cNvGrpSpPr/>
+        <p:nvPr/>
+      </p:nvGrpSpPr>
+      <p:grpSpPr>
+        <a:xfrm>
+          <a:off x="0" y="0"/>
+          <a:ext cx="0" cy="0"/>
+          <a:chOff x="0" y="0"/>
+          <a:chExt cx="0" cy="0"/>
+        </a:xfrm>
+      </p:grpSpPr>
+      <p:sp>
+        <p:nvSpPr>
+          <p:cNvPr id="2" name="Title 1">
+            <a:extLst>
+              <a:ext uri="{FF2B5EF4-FFF2-40B4-BE49-F238E27FC236}">
+                <a16:creationId xmlns:a16="http://schemas.microsoft.com/office/drawing/2014/main" id="{00D2E1C8-A61C-0091-E68E-EDEBBB9911A1}"/>
+              </a:ext>
+            </a:extLst>
+          </p:cNvPr>
+          <p:cNvSpPr>
+            <a:spLocks noGrp="1"/>
+          </p:cNvSpPr>
+          <p:nvPr>
+            <p:ph type="title"/>
+          </p:nvPr>
+        </p:nvSpPr>
+        <p:spPr/>
+        <p:txBody>
+          <a:bodyPr/>
+          <a:lstStyle/>
+          <a:p>
+            <a:r>
+              <a:rPr lang="en-US" dirty="0"/>
+              <a:t>Freeze (.exe)</a:t>
+            </a:r>
+          </a:p>
+        </p:txBody>
+      </p:sp>
+      <p:sp>
+        <p:nvSpPr>
+          <p:cNvPr id="3" name="Content Placeholder 2">
+            <a:extLst>
+              <a:ext uri="{FF2B5EF4-FFF2-40B4-BE49-F238E27FC236}">
+                <a16:creationId xmlns:a16="http://schemas.microsoft.com/office/drawing/2014/main" id="{53471609-F59C-BD48-68AE-FF6DA17C8040}"/>
+              </a:ext>
+            </a:extLst>
+          </p:cNvPr>
+          <p:cNvSpPr>
+            <a:spLocks noGrp="1"/>
+          </p:cNvSpPr>
+          <p:nvPr>
+            <p:ph idx="1"/>
+          </p:nvPr>
+        </p:nvSpPr>
+        <p:spPr/>
+        <p:txBody>
+          <a:bodyPr/>
+          <a:lstStyle/>
+          <a:p>
+            <a:r>
+              <a:rPr lang="en-US" dirty="0"/>
+              <a:t>I was able to freeze some simple code but could never get it to execute properly.</a:t>
+            </a:r>
+          </a:p>
+        </p:txBody>
+      </p:sp>
+    </p:spTree>
+    <p:extLst>
+      <p:ext uri="{BB962C8B-B14F-4D97-AF65-F5344CB8AC3E}">
+        <p14:creationId xmlns:p14="http://schemas.microsoft.com/office/powerpoint/2010/main" val="210606026"/>
+      </p:ext>
+    </p:extLst>
+  </p:cSld>
+  <p:clrMapOvr>
+    <a:masterClrMapping/>
+  </p:clrMapOvr>
+</p:sld>
+</file>
+
 <file path=ppt/theme/theme1.xml><?xml version="1.0" encoding="utf-8"?>
 <a:theme xmlns:a="http://schemas.openxmlformats.org/drawingml/2006/main" name="RegattaVTI">
   <a:themeElements>

--- a/FaceVault.pptx
+++ b/FaceVault.pptx
@@ -469,7 +469,7 @@
           <a:p>
             <a:fld id="{3CADBD16-5BFB-4D9F-9646-C75D1B53BBB6}" type="datetimeFigureOut">
               <a:rPr lang="en-US" smtClean="0"/>
-              <a:t>5/6/2023</a:t>
+              <a:t>5/7/2023</a:t>
             </a:fld>
             <a:endParaRPr lang="en-US"/>
           </a:p>
@@ -710,7 +710,7 @@
           <a:p>
             <a:fld id="{3CADBD16-5BFB-4D9F-9646-C75D1B53BBB6}" type="datetimeFigureOut">
               <a:rPr lang="en-US" smtClean="0"/>
-              <a:t>5/6/2023</a:t>
+              <a:t>5/7/2023</a:t>
             </a:fld>
             <a:endParaRPr lang="en-US"/>
           </a:p>
@@ -918,7 +918,7 @@
           <a:p>
             <a:fld id="{3CADBD16-5BFB-4D9F-9646-C75D1B53BBB6}" type="datetimeFigureOut">
               <a:rPr lang="en-US" smtClean="0"/>
-              <a:t>5/6/2023</a:t>
+              <a:t>5/7/2023</a:t>
             </a:fld>
             <a:endParaRPr lang="en-US"/>
           </a:p>
@@ -1116,7 +1116,7 @@
           <a:p>
             <a:fld id="{3CADBD16-5BFB-4D9F-9646-C75D1B53BBB6}" type="datetimeFigureOut">
               <a:rPr lang="en-US" smtClean="0"/>
-              <a:t>5/6/2023</a:t>
+              <a:t>5/7/2023</a:t>
             </a:fld>
             <a:endParaRPr lang="en-US"/>
           </a:p>
@@ -1393,7 +1393,7 @@
           <a:p>
             <a:fld id="{3CADBD16-5BFB-4D9F-9646-C75D1B53BBB6}" type="datetimeFigureOut">
               <a:rPr lang="en-US" smtClean="0"/>
-              <a:t>5/6/2023</a:t>
+              <a:t>5/7/2023</a:t>
             </a:fld>
             <a:endParaRPr lang="en-US"/>
           </a:p>
@@ -1658,7 +1658,7 @@
           <a:p>
             <a:fld id="{3CADBD16-5BFB-4D9F-9646-C75D1B53BBB6}" type="datetimeFigureOut">
               <a:rPr lang="en-US" smtClean="0"/>
-              <a:t>5/6/2023</a:t>
+              <a:t>5/7/2023</a:t>
             </a:fld>
             <a:endParaRPr lang="en-US"/>
           </a:p>
@@ -2074,7 +2074,7 @@
           <a:p>
             <a:fld id="{3CADBD16-5BFB-4D9F-9646-C75D1B53BBB6}" type="datetimeFigureOut">
               <a:rPr lang="en-US" smtClean="0"/>
-              <a:t>5/6/2023</a:t>
+              <a:t>5/7/2023</a:t>
             </a:fld>
             <a:endParaRPr lang="en-US"/>
           </a:p>
@@ -2224,7 +2224,7 @@
           <a:p>
             <a:fld id="{3CADBD16-5BFB-4D9F-9646-C75D1B53BBB6}" type="datetimeFigureOut">
               <a:rPr lang="en-US" smtClean="0"/>
-              <a:t>5/6/2023</a:t>
+              <a:t>5/7/2023</a:t>
             </a:fld>
             <a:endParaRPr lang="en-US"/>
           </a:p>
@@ -2337,7 +2337,7 @@
           <a:p>
             <a:fld id="{3CADBD16-5BFB-4D9F-9646-C75D1B53BBB6}" type="datetimeFigureOut">
               <a:rPr lang="en-US" smtClean="0"/>
-              <a:t>5/6/2023</a:t>
+              <a:t>5/7/2023</a:t>
             </a:fld>
             <a:endParaRPr lang="en-US"/>
           </a:p>
@@ -2653,7 +2653,7 @@
           <a:p>
             <a:fld id="{3CADBD16-5BFB-4D9F-9646-C75D1B53BBB6}" type="datetimeFigureOut">
               <a:rPr lang="en-US" smtClean="0"/>
-              <a:t>5/6/2023</a:t>
+              <a:t>5/7/2023</a:t>
             </a:fld>
             <a:endParaRPr lang="en-US"/>
           </a:p>
@@ -2904,7 +2904,7 @@
           <a:p>
             <a:fld id="{3CADBD16-5BFB-4D9F-9646-C75D1B53BBB6}" type="datetimeFigureOut">
               <a:rPr lang="en-US" smtClean="0"/>
-              <a:t>5/6/2023</a:t>
+              <a:t>5/7/2023</a:t>
             </a:fld>
             <a:endParaRPr lang="en-US"/>
           </a:p>
@@ -3413,7 +3413,7 @@
             <a:fld id="{3CADBD16-5BFB-4D9F-9646-C75D1B53BBB6}" type="datetimeFigureOut">
               <a:rPr lang="en-US" smtClean="0"/>
               <a:pPr/>
-              <a:t>5/6/2023</a:t>
+              <a:t>5/7/2023</a:t>
             </a:fld>
             <a:endParaRPr lang="en-US" dirty="0"/>
           </a:p>
@@ -5254,6 +5254,24 @@
             </a:r>
           </a:p>
           <a:p>
+            <a:r>
+              <a:rPr lang="en-US" dirty="0"/>
+              <a:t>Scope changed many times.</a:t>
+            </a:r>
+          </a:p>
+          <a:p>
+            <a:r>
+              <a:rPr lang="en-US" dirty="0"/>
+              <a:t>Self expectation.</a:t>
+            </a:r>
+          </a:p>
+          <a:p>
+            <a:r>
+              <a:rPr lang="en-US" dirty="0"/>
+              <a:t>Excitement.</a:t>
+            </a:r>
+          </a:p>
+          <a:p>
             <a:endParaRPr lang="en-US" dirty="0"/>
           </a:p>
         </p:txBody>
@@ -5312,7 +5330,7 @@
             <a:pPr algn="ctr"/>
             <a:r>
               <a:rPr lang="en-US" dirty="0"/>
-              <a:t>Road Blocks</a:t>
+              <a:t>Roadblocks</a:t>
             </a:r>
           </a:p>
         </p:txBody>
@@ -5340,19 +5358,35 @@
           <a:p>
             <a:r>
               <a:rPr lang="en-US" dirty="0"/>
-              <a:t>Broken Code</a:t>
-            </a:r>
-          </a:p>
-          <a:p>
-            <a:r>
-              <a:rPr lang="en-US" dirty="0"/>
-              <a:t>Packages failing to function</a:t>
-            </a:r>
-          </a:p>
-          <a:p>
-            <a:r>
-              <a:rPr lang="en-US" dirty="0"/>
-              <a:t>Memory Leaks</a:t>
+              <a:t>Broken Code.</a:t>
+            </a:r>
+          </a:p>
+          <a:p>
+            <a:r>
+              <a:rPr lang="en-US" dirty="0"/>
+              <a:t>Packages failing to function.</a:t>
+            </a:r>
+          </a:p>
+          <a:p>
+            <a:r>
+              <a:rPr lang="en-US" dirty="0"/>
+              <a:t>Memory Leaks.</a:t>
+            </a:r>
+          </a:p>
+          <a:p>
+            <a:r>
+              <a:rPr lang="en-US" dirty="0"/>
+              <a:t>Poor optimization.</a:t>
+            </a:r>
+          </a:p>
+          <a:p>
+            <a:r>
+              <a:rPr lang="en-US" dirty="0" err="1"/>
+              <a:t>Haar</a:t>
+            </a:r>
+            <a:r>
+              <a:rPr lang="en-US" dirty="0"/>
+              <a:t> Cascade needs to much training.</a:t>
             </a:r>
           </a:p>
         </p:txBody>
@@ -5740,6 +5774,13 @@
               <a:rPr lang="en-US" dirty="0"/>
               <a:t>I was able to freeze some simple code but could never get it to execute properly.</a:t>
             </a:r>
+          </a:p>
+          <a:p>
+            <a:r>
+              <a:rPr lang="en-US" dirty="0" err="1"/>
+              <a:t>Pyinstaller</a:t>
+            </a:r>
+            <a:endParaRPr lang="en-US" dirty="0"/>
           </a:p>
         </p:txBody>
       </p:sp>
